--- a/assets/img/favicon.pptx
+++ b/assets/img/favicon.pptx
@@ -104,6 +104,11 @@
       </a:defRPr>
     </a:lvl9pPr>
   </p:defaultTextStyle>
+  <p:extLst>
+    <p:ext uri="{EFAFB233-063F-42B5-8137-9DF3F51BA10A}">
+      <p15:sldGuideLst xmlns:p15="http://schemas.microsoft.com/office/powerpoint/2012/main"/>
+    </p:ext>
+  </p:extLst>
 </p:presentation>
 </file>
 
@@ -238,7 +243,7 @@
           <a:p>
             <a:fld id="{D65BB9DC-77C4-A843-AE43-C705BC7878C1}" type="datetimeFigureOut">
               <a:rPr lang="en-US" smtClean="0"/>
-              <a:t>10/9/24</a:t>
+              <a:t>10/13/24</a:t>
             </a:fld>
             <a:endParaRPr lang="en-US"/>
           </a:p>
@@ -408,7 +413,7 @@
           <a:p>
             <a:fld id="{D65BB9DC-77C4-A843-AE43-C705BC7878C1}" type="datetimeFigureOut">
               <a:rPr lang="en-US" smtClean="0"/>
-              <a:t>10/9/24</a:t>
+              <a:t>10/13/24</a:t>
             </a:fld>
             <a:endParaRPr lang="en-US"/>
           </a:p>
@@ -588,7 +593,7 @@
           <a:p>
             <a:fld id="{D65BB9DC-77C4-A843-AE43-C705BC7878C1}" type="datetimeFigureOut">
               <a:rPr lang="en-US" smtClean="0"/>
-              <a:t>10/9/24</a:t>
+              <a:t>10/13/24</a:t>
             </a:fld>
             <a:endParaRPr lang="en-US"/>
           </a:p>
@@ -758,7 +763,7 @@
           <a:p>
             <a:fld id="{D65BB9DC-77C4-A843-AE43-C705BC7878C1}" type="datetimeFigureOut">
               <a:rPr lang="en-US" smtClean="0"/>
-              <a:t>10/9/24</a:t>
+              <a:t>10/13/24</a:t>
             </a:fld>
             <a:endParaRPr lang="en-US"/>
           </a:p>
@@ -1004,7 +1009,7 @@
           <a:p>
             <a:fld id="{D65BB9DC-77C4-A843-AE43-C705BC7878C1}" type="datetimeFigureOut">
               <a:rPr lang="en-US" smtClean="0"/>
-              <a:t>10/9/24</a:t>
+              <a:t>10/13/24</a:t>
             </a:fld>
             <a:endParaRPr lang="en-US"/>
           </a:p>
@@ -1236,7 +1241,7 @@
           <a:p>
             <a:fld id="{D65BB9DC-77C4-A843-AE43-C705BC7878C1}" type="datetimeFigureOut">
               <a:rPr lang="en-US" smtClean="0"/>
-              <a:t>10/9/24</a:t>
+              <a:t>10/13/24</a:t>
             </a:fld>
             <a:endParaRPr lang="en-US"/>
           </a:p>
@@ -1603,7 +1608,7 @@
           <a:p>
             <a:fld id="{D65BB9DC-77C4-A843-AE43-C705BC7878C1}" type="datetimeFigureOut">
               <a:rPr lang="en-US" smtClean="0"/>
-              <a:t>10/9/24</a:t>
+              <a:t>10/13/24</a:t>
             </a:fld>
             <a:endParaRPr lang="en-US"/>
           </a:p>
@@ -1721,7 +1726,7 @@
           <a:p>
             <a:fld id="{D65BB9DC-77C4-A843-AE43-C705BC7878C1}" type="datetimeFigureOut">
               <a:rPr lang="en-US" smtClean="0"/>
-              <a:t>10/9/24</a:t>
+              <a:t>10/13/24</a:t>
             </a:fld>
             <a:endParaRPr lang="en-US"/>
           </a:p>
@@ -1816,7 +1821,7 @@
           <a:p>
             <a:fld id="{D65BB9DC-77C4-A843-AE43-C705BC7878C1}" type="datetimeFigureOut">
               <a:rPr lang="en-US" smtClean="0"/>
-              <a:t>10/9/24</a:t>
+              <a:t>10/13/24</a:t>
             </a:fld>
             <a:endParaRPr lang="en-US"/>
           </a:p>
@@ -2093,7 +2098,7 @@
           <a:p>
             <a:fld id="{D65BB9DC-77C4-A843-AE43-C705BC7878C1}" type="datetimeFigureOut">
               <a:rPr lang="en-US" smtClean="0"/>
-              <a:t>10/9/24</a:t>
+              <a:t>10/13/24</a:t>
             </a:fld>
             <a:endParaRPr lang="en-US"/>
           </a:p>
@@ -2350,7 +2355,7 @@
           <a:p>
             <a:fld id="{D65BB9DC-77C4-A843-AE43-C705BC7878C1}" type="datetimeFigureOut">
               <a:rPr lang="en-US" smtClean="0"/>
-              <a:t>10/9/24</a:t>
+              <a:t>10/13/24</a:t>
             </a:fld>
             <a:endParaRPr lang="en-US"/>
           </a:p>
@@ -2563,7 +2568,7 @@
           <a:p>
             <a:fld id="{D65BB9DC-77C4-A843-AE43-C705BC7878C1}" type="datetimeFigureOut">
               <a:rPr lang="en-US" smtClean="0"/>
-              <a:t>10/9/24</a:t>
+              <a:t>10/13/24</a:t>
             </a:fld>
             <a:endParaRPr lang="en-US"/>
           </a:p>
@@ -3001,14 +3006,14 @@
               <a:gs pos="0">
                 <a:srgbClr val="FCF6BD"/>
               </a:gs>
-              <a:gs pos="15000">
+              <a:gs pos="9000">
                 <a:srgbClr val="FCF6BD"/>
               </a:gs>
-              <a:gs pos="91000">
-                <a:srgbClr val="E4C1F9"/>
+              <a:gs pos="90000">
+                <a:srgbClr val="B2F7EF"/>
               </a:gs>
-              <a:gs pos="100000">
-                <a:srgbClr val="E4C1F9"/>
+              <a:gs pos="99000">
+                <a:srgbClr val="B2F7EF"/>
               </a:gs>
             </a:gsLst>
             <a:lin ang="2700000" scaled="1"/>
@@ -3040,25 +3045,35 @@
           <a:p>
             <a:pPr algn="ctr"/>
             <a:r>
-              <a:rPr lang="en-US" sz="11500" dirty="0">
+              <a:rPr lang="en-US" sz="14200" b="1" spc="600" dirty="0">
                 <a:gradFill flip="none" rotWithShape="1">
                   <a:gsLst>
-                    <a:gs pos="89000">
-                      <a:srgbClr val="FCDB39"/>
+                    <a:gs pos="67000">
+                      <a:schemeClr val="tx1"/>
                     </a:gs>
-                    <a:gs pos="100000">
-                      <a:srgbClr val="FCDB39"/>
+                    <a:gs pos="56000">
+                      <a:schemeClr val="tx1">
+                        <a:lumMod val="75000"/>
+                        <a:lumOff val="25000"/>
+                      </a:schemeClr>
                     </a:gs>
-                    <a:gs pos="0">
-                      <a:srgbClr val="E469F9"/>
-                    </a:gs>
-                    <a:gs pos="9000">
-                      <a:srgbClr val="E469F9"/>
+                    <a:gs pos="41000">
+                      <a:schemeClr val="tx1"/>
                     </a:gs>
                   </a:gsLst>
                   <a:lin ang="2700000" scaled="1"/>
                   <a:tileRect/>
                 </a:gradFill>
+                <a:effectLst>
+                  <a:outerShdw blurRad="50800" dist="38100" dir="5400000" algn="t" rotWithShape="0">
+                    <a:prstClr val="black">
+                      <a:alpha val="40000"/>
+                    </a:prstClr>
+                  </a:outerShdw>
+                </a:effectLst>
+                <a:latin typeface="Monaco" pitchFamily="2" charset="77"/>
+                <a:ea typeface="Menlo" panose="020B0609030804020204" pitchFamily="49" charset="0"/>
+                <a:cs typeface="Menlo" panose="020B0609030804020204" pitchFamily="49" charset="0"/>
               </a:rPr>
               <a:t>XW</a:t>
             </a:r>
